--- a/fig/画像.pptx
+++ b/fig/画像.pptx
@@ -13,6 +13,7 @@
     <p:sldId id="261" r:id="rId7"/>
     <p:sldId id="263" r:id="rId8"/>
     <p:sldId id="262" r:id="rId9"/>
+    <p:sldId id="264" r:id="rId10"/>
   </p:sldIdLst>
   <p:sldSz cx="12192000" cy="6858000"/>
   <p:notesSz cx="6858000" cy="9144000"/>
@@ -266,7 +267,7 @@
           <a:p>
             <a:fld id="{5A5F6F7C-0A9D-4A0C-B7E1-5938049BB82A}" type="datetimeFigureOut">
               <a:rPr kumimoji="1" lang="ja-JP" altLang="en-US" smtClean="0"/>
-              <a:t>2024/1/8</a:t>
+              <a:t>2024/2/11</a:t>
             </a:fld>
             <a:endParaRPr kumimoji="1" lang="ja-JP" altLang="en-US"/>
           </a:p>
@@ -496,7 +497,7 @@
           <a:p>
             <a:fld id="{5A5F6F7C-0A9D-4A0C-B7E1-5938049BB82A}" type="datetimeFigureOut">
               <a:rPr kumimoji="1" lang="ja-JP" altLang="en-US" smtClean="0"/>
-              <a:t>2024/1/8</a:t>
+              <a:t>2024/2/11</a:t>
             </a:fld>
             <a:endParaRPr kumimoji="1" lang="ja-JP" altLang="en-US"/>
           </a:p>
@@ -736,7 +737,7 @@
           <a:p>
             <a:fld id="{5A5F6F7C-0A9D-4A0C-B7E1-5938049BB82A}" type="datetimeFigureOut">
               <a:rPr kumimoji="1" lang="ja-JP" altLang="en-US" smtClean="0"/>
-              <a:t>2024/1/8</a:t>
+              <a:t>2024/2/11</a:t>
             </a:fld>
             <a:endParaRPr kumimoji="1" lang="ja-JP" altLang="en-US"/>
           </a:p>
@@ -966,7 +967,7 @@
           <a:p>
             <a:fld id="{5A5F6F7C-0A9D-4A0C-B7E1-5938049BB82A}" type="datetimeFigureOut">
               <a:rPr kumimoji="1" lang="ja-JP" altLang="en-US" smtClean="0"/>
-              <a:t>2024/1/8</a:t>
+              <a:t>2024/2/11</a:t>
             </a:fld>
             <a:endParaRPr kumimoji="1" lang="ja-JP" altLang="en-US"/>
           </a:p>
@@ -1241,7 +1242,7 @@
           <a:p>
             <a:fld id="{5A5F6F7C-0A9D-4A0C-B7E1-5938049BB82A}" type="datetimeFigureOut">
               <a:rPr kumimoji="1" lang="ja-JP" altLang="en-US" smtClean="0"/>
-              <a:t>2024/1/8</a:t>
+              <a:t>2024/2/11</a:t>
             </a:fld>
             <a:endParaRPr kumimoji="1" lang="ja-JP" altLang="en-US"/>
           </a:p>
@@ -1570,7 +1571,7 @@
           <a:p>
             <a:fld id="{5A5F6F7C-0A9D-4A0C-B7E1-5938049BB82A}" type="datetimeFigureOut">
               <a:rPr kumimoji="1" lang="ja-JP" altLang="en-US" smtClean="0"/>
-              <a:t>2024/1/8</a:t>
+              <a:t>2024/2/11</a:t>
             </a:fld>
             <a:endParaRPr kumimoji="1" lang="ja-JP" altLang="en-US"/>
           </a:p>
@@ -2046,7 +2047,7 @@
           <a:p>
             <a:fld id="{5A5F6F7C-0A9D-4A0C-B7E1-5938049BB82A}" type="datetimeFigureOut">
               <a:rPr kumimoji="1" lang="ja-JP" altLang="en-US" smtClean="0"/>
-              <a:t>2024/1/8</a:t>
+              <a:t>2024/2/11</a:t>
             </a:fld>
             <a:endParaRPr kumimoji="1" lang="ja-JP" altLang="en-US"/>
           </a:p>
@@ -2187,7 +2188,7 @@
           <a:p>
             <a:fld id="{5A5F6F7C-0A9D-4A0C-B7E1-5938049BB82A}" type="datetimeFigureOut">
               <a:rPr kumimoji="1" lang="ja-JP" altLang="en-US" smtClean="0"/>
-              <a:t>2024/1/8</a:t>
+              <a:t>2024/2/11</a:t>
             </a:fld>
             <a:endParaRPr kumimoji="1" lang="ja-JP" altLang="en-US"/>
           </a:p>
@@ -2300,7 +2301,7 @@
           <a:p>
             <a:fld id="{5A5F6F7C-0A9D-4A0C-B7E1-5938049BB82A}" type="datetimeFigureOut">
               <a:rPr kumimoji="1" lang="ja-JP" altLang="en-US" smtClean="0"/>
-              <a:t>2024/1/8</a:t>
+              <a:t>2024/2/11</a:t>
             </a:fld>
             <a:endParaRPr kumimoji="1" lang="ja-JP" altLang="en-US"/>
           </a:p>
@@ -2643,7 +2644,7 @@
           <a:p>
             <a:fld id="{5A5F6F7C-0A9D-4A0C-B7E1-5938049BB82A}" type="datetimeFigureOut">
               <a:rPr kumimoji="1" lang="ja-JP" altLang="en-US" smtClean="0"/>
-              <a:t>2024/1/8</a:t>
+              <a:t>2024/2/11</a:t>
             </a:fld>
             <a:endParaRPr kumimoji="1" lang="ja-JP" altLang="en-US"/>
           </a:p>
@@ -2931,7 +2932,7 @@
           <a:p>
             <a:fld id="{5A5F6F7C-0A9D-4A0C-B7E1-5938049BB82A}" type="datetimeFigureOut">
               <a:rPr kumimoji="1" lang="ja-JP" altLang="en-US" smtClean="0"/>
-              <a:t>2024/1/8</a:t>
+              <a:t>2024/2/11</a:t>
             </a:fld>
             <a:endParaRPr kumimoji="1" lang="ja-JP" altLang="en-US"/>
           </a:p>
@@ -3204,7 +3205,7 @@
           <a:p>
             <a:fld id="{5A5F6F7C-0A9D-4A0C-B7E1-5938049BB82A}" type="datetimeFigureOut">
               <a:rPr kumimoji="1" lang="ja-JP" altLang="en-US" smtClean="0"/>
-              <a:t>2024/1/8</a:t>
+              <a:t>2024/2/11</a:t>
             </a:fld>
             <a:endParaRPr kumimoji="1" lang="ja-JP" altLang="en-US"/>
           </a:p>
@@ -10615,6 +10616,96 @@
 </p:sld>
 </file>
 
+<file path=ppt/slides/slide9.xml><?xml version="1.0" encoding="utf-8"?>
+<p:sld xmlns:a="http://schemas.openxmlformats.org/drawingml/2006/main" xmlns:r="http://schemas.openxmlformats.org/officeDocument/2006/relationships" xmlns:p="http://schemas.openxmlformats.org/presentationml/2006/main">
+  <p:cSld>
+    <p:spTree>
+      <p:nvGrpSpPr>
+        <p:cNvPr id="1" name=""/>
+        <p:cNvGrpSpPr/>
+        <p:nvPr/>
+      </p:nvGrpSpPr>
+      <p:grpSpPr>
+        <a:xfrm>
+          <a:off x="0" y="0"/>
+          <a:ext cx="0" cy="0"/>
+          <a:chOff x="0" y="0"/>
+          <a:chExt cx="0" cy="0"/>
+        </a:xfrm>
+      </p:grpSpPr>
+      <p:pic>
+        <p:nvPicPr>
+          <p:cNvPr id="3" name="図 2">
+            <a:extLst>
+              <a:ext uri="{FF2B5EF4-FFF2-40B4-BE49-F238E27FC236}">
+                <a16:creationId xmlns:a16="http://schemas.microsoft.com/office/drawing/2014/main" id="{D112656F-FCB2-31AB-D1A3-85F12674083F}"/>
+              </a:ext>
+            </a:extLst>
+          </p:cNvPr>
+          <p:cNvPicPr>
+            <a:picLocks noChangeAspect="1"/>
+          </p:cNvPicPr>
+          <p:nvPr/>
+        </p:nvPicPr>
+        <p:blipFill>
+          <a:blip r:embed="rId2"/>
+          <a:stretch>
+            <a:fillRect/>
+          </a:stretch>
+        </p:blipFill>
+        <p:spPr>
+          <a:xfrm>
+            <a:off x="4995709" y="2671657"/>
+            <a:ext cx="2200582" cy="1514686"/>
+          </a:xfrm>
+          <a:prstGeom prst="rect">
+            <a:avLst/>
+          </a:prstGeom>
+        </p:spPr>
+      </p:pic>
+      <p:pic>
+        <p:nvPicPr>
+          <p:cNvPr id="5" name="図 4">
+            <a:extLst>
+              <a:ext uri="{FF2B5EF4-FFF2-40B4-BE49-F238E27FC236}">
+                <a16:creationId xmlns:a16="http://schemas.microsoft.com/office/drawing/2014/main" id="{AAFEBB2F-AF95-8C1D-D33D-CEA08FC4EA90}"/>
+              </a:ext>
+            </a:extLst>
+          </p:cNvPr>
+          <p:cNvPicPr>
+            <a:picLocks noChangeAspect="1"/>
+          </p:cNvPicPr>
+          <p:nvPr/>
+        </p:nvPicPr>
+        <p:blipFill>
+          <a:blip r:embed="rId3"/>
+          <a:stretch>
+            <a:fillRect/>
+          </a:stretch>
+        </p:blipFill>
+        <p:spPr>
+          <a:xfrm rot="1386407">
+            <a:off x="7483273" y="2582936"/>
+            <a:ext cx="1123150" cy="1692128"/>
+          </a:xfrm>
+          <a:prstGeom prst="rect">
+            <a:avLst/>
+          </a:prstGeom>
+        </p:spPr>
+      </p:pic>
+    </p:spTree>
+    <p:extLst>
+      <p:ext uri="{BB962C8B-B14F-4D97-AF65-F5344CB8AC3E}">
+        <p14:creationId xmlns:p14="http://schemas.microsoft.com/office/powerpoint/2010/main" val="2395446369"/>
+      </p:ext>
+    </p:extLst>
+  </p:cSld>
+  <p:clrMapOvr>
+    <a:masterClrMapping/>
+  </p:clrMapOvr>
+</p:sld>
+</file>
+
 <file path=ppt/theme/theme1.xml><?xml version="1.0" encoding="utf-8"?>
 <a:theme xmlns:a="http://schemas.openxmlformats.org/drawingml/2006/main" name="Office テーマ">
   <a:themeElements>

--- a/fig/画像.pptx
+++ b/fig/画像.pptx
@@ -9,11 +9,12 @@
     <p:sldId id="258" r:id="rId3"/>
     <p:sldId id="257" r:id="rId4"/>
     <p:sldId id="259" r:id="rId5"/>
-    <p:sldId id="260" r:id="rId6"/>
-    <p:sldId id="261" r:id="rId7"/>
-    <p:sldId id="263" r:id="rId8"/>
-    <p:sldId id="262" r:id="rId9"/>
-    <p:sldId id="264" r:id="rId10"/>
+    <p:sldId id="265" r:id="rId6"/>
+    <p:sldId id="260" r:id="rId7"/>
+    <p:sldId id="261" r:id="rId8"/>
+    <p:sldId id="263" r:id="rId9"/>
+    <p:sldId id="262" r:id="rId10"/>
+    <p:sldId id="264" r:id="rId11"/>
   </p:sldIdLst>
   <p:sldSz cx="12192000" cy="6858000"/>
   <p:notesSz cx="6858000" cy="9144000"/>
@@ -267,7 +268,7 @@
           <a:p>
             <a:fld id="{5A5F6F7C-0A9D-4A0C-B7E1-5938049BB82A}" type="datetimeFigureOut">
               <a:rPr kumimoji="1" lang="ja-JP" altLang="en-US" smtClean="0"/>
-              <a:t>2024/2/11</a:t>
+              <a:t>2024/3/5</a:t>
             </a:fld>
             <a:endParaRPr kumimoji="1" lang="ja-JP" altLang="en-US"/>
           </a:p>
@@ -497,7 +498,7 @@
           <a:p>
             <a:fld id="{5A5F6F7C-0A9D-4A0C-B7E1-5938049BB82A}" type="datetimeFigureOut">
               <a:rPr kumimoji="1" lang="ja-JP" altLang="en-US" smtClean="0"/>
-              <a:t>2024/2/11</a:t>
+              <a:t>2024/3/5</a:t>
             </a:fld>
             <a:endParaRPr kumimoji="1" lang="ja-JP" altLang="en-US"/>
           </a:p>
@@ -737,7 +738,7 @@
           <a:p>
             <a:fld id="{5A5F6F7C-0A9D-4A0C-B7E1-5938049BB82A}" type="datetimeFigureOut">
               <a:rPr kumimoji="1" lang="ja-JP" altLang="en-US" smtClean="0"/>
-              <a:t>2024/2/11</a:t>
+              <a:t>2024/3/5</a:t>
             </a:fld>
             <a:endParaRPr kumimoji="1" lang="ja-JP" altLang="en-US"/>
           </a:p>
@@ -967,7 +968,7 @@
           <a:p>
             <a:fld id="{5A5F6F7C-0A9D-4A0C-B7E1-5938049BB82A}" type="datetimeFigureOut">
               <a:rPr kumimoji="1" lang="ja-JP" altLang="en-US" smtClean="0"/>
-              <a:t>2024/2/11</a:t>
+              <a:t>2024/3/5</a:t>
             </a:fld>
             <a:endParaRPr kumimoji="1" lang="ja-JP" altLang="en-US"/>
           </a:p>
@@ -1242,7 +1243,7 @@
           <a:p>
             <a:fld id="{5A5F6F7C-0A9D-4A0C-B7E1-5938049BB82A}" type="datetimeFigureOut">
               <a:rPr kumimoji="1" lang="ja-JP" altLang="en-US" smtClean="0"/>
-              <a:t>2024/2/11</a:t>
+              <a:t>2024/3/5</a:t>
             </a:fld>
             <a:endParaRPr kumimoji="1" lang="ja-JP" altLang="en-US"/>
           </a:p>
@@ -1571,7 +1572,7 @@
           <a:p>
             <a:fld id="{5A5F6F7C-0A9D-4A0C-B7E1-5938049BB82A}" type="datetimeFigureOut">
               <a:rPr kumimoji="1" lang="ja-JP" altLang="en-US" smtClean="0"/>
-              <a:t>2024/2/11</a:t>
+              <a:t>2024/3/5</a:t>
             </a:fld>
             <a:endParaRPr kumimoji="1" lang="ja-JP" altLang="en-US"/>
           </a:p>
@@ -2047,7 +2048,7 @@
           <a:p>
             <a:fld id="{5A5F6F7C-0A9D-4A0C-B7E1-5938049BB82A}" type="datetimeFigureOut">
               <a:rPr kumimoji="1" lang="ja-JP" altLang="en-US" smtClean="0"/>
-              <a:t>2024/2/11</a:t>
+              <a:t>2024/3/5</a:t>
             </a:fld>
             <a:endParaRPr kumimoji="1" lang="ja-JP" altLang="en-US"/>
           </a:p>
@@ -2188,7 +2189,7 @@
           <a:p>
             <a:fld id="{5A5F6F7C-0A9D-4A0C-B7E1-5938049BB82A}" type="datetimeFigureOut">
               <a:rPr kumimoji="1" lang="ja-JP" altLang="en-US" smtClean="0"/>
-              <a:t>2024/2/11</a:t>
+              <a:t>2024/3/5</a:t>
             </a:fld>
             <a:endParaRPr kumimoji="1" lang="ja-JP" altLang="en-US"/>
           </a:p>
@@ -2301,7 +2302,7 @@
           <a:p>
             <a:fld id="{5A5F6F7C-0A9D-4A0C-B7E1-5938049BB82A}" type="datetimeFigureOut">
               <a:rPr kumimoji="1" lang="ja-JP" altLang="en-US" smtClean="0"/>
-              <a:t>2024/2/11</a:t>
+              <a:t>2024/3/5</a:t>
             </a:fld>
             <a:endParaRPr kumimoji="1" lang="ja-JP" altLang="en-US"/>
           </a:p>
@@ -2644,7 +2645,7 @@
           <a:p>
             <a:fld id="{5A5F6F7C-0A9D-4A0C-B7E1-5938049BB82A}" type="datetimeFigureOut">
               <a:rPr kumimoji="1" lang="ja-JP" altLang="en-US" smtClean="0"/>
-              <a:t>2024/2/11</a:t>
+              <a:t>2024/3/5</a:t>
             </a:fld>
             <a:endParaRPr kumimoji="1" lang="ja-JP" altLang="en-US"/>
           </a:p>
@@ -2932,7 +2933,7 @@
           <a:p>
             <a:fld id="{5A5F6F7C-0A9D-4A0C-B7E1-5938049BB82A}" type="datetimeFigureOut">
               <a:rPr kumimoji="1" lang="ja-JP" altLang="en-US" smtClean="0"/>
-              <a:t>2024/2/11</a:t>
+              <a:t>2024/3/5</a:t>
             </a:fld>
             <a:endParaRPr kumimoji="1" lang="ja-JP" altLang="en-US"/>
           </a:p>
@@ -3205,7 +3206,7 @@
           <a:p>
             <a:fld id="{5A5F6F7C-0A9D-4A0C-B7E1-5938049BB82A}" type="datetimeFigureOut">
               <a:rPr kumimoji="1" lang="ja-JP" altLang="en-US" smtClean="0"/>
-              <a:t>2024/2/11</a:t>
+              <a:t>2024/3/5</a:t>
             </a:fld>
             <a:endParaRPr kumimoji="1" lang="ja-JP" altLang="en-US"/>
           </a:p>
@@ -3851,6 +3852,96 @@
 </p:sld>
 </file>
 
+<file path=ppt/slides/slide10.xml><?xml version="1.0" encoding="utf-8"?>
+<p:sld xmlns:a="http://schemas.openxmlformats.org/drawingml/2006/main" xmlns:r="http://schemas.openxmlformats.org/officeDocument/2006/relationships" xmlns:p="http://schemas.openxmlformats.org/presentationml/2006/main">
+  <p:cSld>
+    <p:spTree>
+      <p:nvGrpSpPr>
+        <p:cNvPr id="1" name=""/>
+        <p:cNvGrpSpPr/>
+        <p:nvPr/>
+      </p:nvGrpSpPr>
+      <p:grpSpPr>
+        <a:xfrm>
+          <a:off x="0" y="0"/>
+          <a:ext cx="0" cy="0"/>
+          <a:chOff x="0" y="0"/>
+          <a:chExt cx="0" cy="0"/>
+        </a:xfrm>
+      </p:grpSpPr>
+      <p:pic>
+        <p:nvPicPr>
+          <p:cNvPr id="3" name="図 2">
+            <a:extLst>
+              <a:ext uri="{FF2B5EF4-FFF2-40B4-BE49-F238E27FC236}">
+                <a16:creationId xmlns:a16="http://schemas.microsoft.com/office/drawing/2014/main" id="{D112656F-FCB2-31AB-D1A3-85F12674083F}"/>
+              </a:ext>
+            </a:extLst>
+          </p:cNvPr>
+          <p:cNvPicPr>
+            <a:picLocks noChangeAspect="1"/>
+          </p:cNvPicPr>
+          <p:nvPr/>
+        </p:nvPicPr>
+        <p:blipFill>
+          <a:blip r:embed="rId2"/>
+          <a:stretch>
+            <a:fillRect/>
+          </a:stretch>
+        </p:blipFill>
+        <p:spPr>
+          <a:xfrm>
+            <a:off x="4995709" y="2671657"/>
+            <a:ext cx="2200582" cy="1514686"/>
+          </a:xfrm>
+          <a:prstGeom prst="rect">
+            <a:avLst/>
+          </a:prstGeom>
+        </p:spPr>
+      </p:pic>
+      <p:pic>
+        <p:nvPicPr>
+          <p:cNvPr id="5" name="図 4">
+            <a:extLst>
+              <a:ext uri="{FF2B5EF4-FFF2-40B4-BE49-F238E27FC236}">
+                <a16:creationId xmlns:a16="http://schemas.microsoft.com/office/drawing/2014/main" id="{AAFEBB2F-AF95-8C1D-D33D-CEA08FC4EA90}"/>
+              </a:ext>
+            </a:extLst>
+          </p:cNvPr>
+          <p:cNvPicPr>
+            <a:picLocks noChangeAspect="1"/>
+          </p:cNvPicPr>
+          <p:nvPr/>
+        </p:nvPicPr>
+        <p:blipFill>
+          <a:blip r:embed="rId3"/>
+          <a:stretch>
+            <a:fillRect/>
+          </a:stretch>
+        </p:blipFill>
+        <p:spPr>
+          <a:xfrm rot="1386407">
+            <a:off x="7483273" y="2582936"/>
+            <a:ext cx="1123150" cy="1692128"/>
+          </a:xfrm>
+          <a:prstGeom prst="rect">
+            <a:avLst/>
+          </a:prstGeom>
+        </p:spPr>
+      </p:pic>
+    </p:spTree>
+    <p:extLst>
+      <p:ext uri="{BB962C8B-B14F-4D97-AF65-F5344CB8AC3E}">
+        <p14:creationId xmlns:p14="http://schemas.microsoft.com/office/powerpoint/2010/main" val="2395446369"/>
+      </p:ext>
+    </p:extLst>
+  </p:cSld>
+  <p:clrMapOvr>
+    <a:masterClrMapping/>
+  </p:clrMapOvr>
+</p:sld>
+</file>
+
 <file path=ppt/slides/slide2.xml><?xml version="1.0" encoding="utf-8"?>
 <p:sld xmlns:a="http://schemas.openxmlformats.org/drawingml/2006/main" xmlns:r="http://schemas.openxmlformats.org/officeDocument/2006/relationships" xmlns:p="http://schemas.openxmlformats.org/presentationml/2006/main">
   <p:cSld>
@@ -5282,6 +5373,620 @@
           <a:chExt cx="0" cy="0"/>
         </a:xfrm>
       </p:grpSpPr>
+      <p:sp>
+        <p:nvSpPr>
+          <p:cNvPr id="2" name="テキスト ボックス 1">
+            <a:extLst>
+              <a:ext uri="{FF2B5EF4-FFF2-40B4-BE49-F238E27FC236}">
+                <a16:creationId xmlns:a16="http://schemas.microsoft.com/office/drawing/2014/main" id="{FAFA17BD-E6D7-D43E-DD8E-361621B76D07}"/>
+              </a:ext>
+            </a:extLst>
+          </p:cNvPr>
+          <p:cNvSpPr txBox="1"/>
+          <p:nvPr/>
+        </p:nvSpPr>
+        <p:spPr>
+          <a:xfrm>
+            <a:off x="1187706" y="856414"/>
+            <a:ext cx="2128603" cy="369332"/>
+          </a:xfrm>
+          <a:prstGeom prst="rect">
+            <a:avLst/>
+          </a:prstGeom>
+          <a:solidFill>
+            <a:srgbClr val="AAC4FF"/>
+          </a:solidFill>
+        </p:spPr>
+        <p:txBody>
+          <a:bodyPr wrap="square" rtlCol="0">
+            <a:spAutoFit/>
+          </a:bodyPr>
+          <a:lstStyle/>
+          <a:p>
+            <a:pPr algn="ctr"/>
+            <a:r>
+              <a:rPr lang="ja-JP" altLang="en-US" b="1" dirty="0">
+                <a:solidFill>
+                  <a:schemeClr val="bg1"/>
+                </a:solidFill>
+              </a:rPr>
+              <a:t>ステップ </a:t>
+            </a:r>
+            <a:r>
+              <a:rPr lang="en-US" altLang="ja-JP" b="1" dirty="0">
+                <a:solidFill>
+                  <a:schemeClr val="bg1"/>
+                </a:solidFill>
+              </a:rPr>
+              <a:t>1</a:t>
+            </a:r>
+            <a:endParaRPr kumimoji="1" lang="ja-JP" altLang="en-US" b="1" dirty="0">
+              <a:solidFill>
+                <a:schemeClr val="bg1"/>
+              </a:solidFill>
+            </a:endParaRPr>
+          </a:p>
+        </p:txBody>
+      </p:sp>
+      <p:sp>
+        <p:nvSpPr>
+          <p:cNvPr id="3" name="正方形/長方形 2">
+            <a:extLst>
+              <a:ext uri="{FF2B5EF4-FFF2-40B4-BE49-F238E27FC236}">
+                <a16:creationId xmlns:a16="http://schemas.microsoft.com/office/drawing/2014/main" id="{BB105887-C125-A8C0-8264-E43C5C860B13}"/>
+              </a:ext>
+            </a:extLst>
+          </p:cNvPr>
+          <p:cNvSpPr/>
+          <p:nvPr/>
+        </p:nvSpPr>
+        <p:spPr>
+          <a:xfrm>
+            <a:off x="1187706" y="1225746"/>
+            <a:ext cx="2128602" cy="1558977"/>
+          </a:xfrm>
+          <a:prstGeom prst="rect">
+            <a:avLst/>
+          </a:prstGeom>
+          <a:solidFill>
+            <a:srgbClr val="D6E5FA"/>
+          </a:solidFill>
+          <a:ln>
+            <a:noFill/>
+          </a:ln>
+        </p:spPr>
+        <p:style>
+          <a:lnRef idx="2">
+            <a:schemeClr val="accent1">
+              <a:shade val="50000"/>
+            </a:schemeClr>
+          </a:lnRef>
+          <a:fillRef idx="1">
+            <a:schemeClr val="accent1"/>
+          </a:fillRef>
+          <a:effectRef idx="0">
+            <a:schemeClr val="accent1"/>
+          </a:effectRef>
+          <a:fontRef idx="minor">
+            <a:schemeClr val="lt1"/>
+          </a:fontRef>
+        </p:style>
+        <p:txBody>
+          <a:bodyPr rtlCol="0" anchor="t" anchorCtr="0"/>
+          <a:lstStyle/>
+          <a:p>
+            <a:r>
+              <a:rPr kumimoji="1" lang="ja-JP" altLang="en-US" b="1" dirty="0">
+                <a:solidFill>
+                  <a:schemeClr val="tx1"/>
+                </a:solidFill>
+                <a:latin typeface="HG丸ｺﾞｼｯｸM-PRO" panose="020F0600000000000000" pitchFamily="50" charset="-128"/>
+                <a:ea typeface="HG丸ｺﾞｼｯｸM-PRO" panose="020F0600000000000000" pitchFamily="50" charset="-128"/>
+              </a:rPr>
+              <a:t>ご連絡</a:t>
+            </a:r>
+            <a:endParaRPr kumimoji="1" lang="en-US" altLang="ja-JP" b="1" dirty="0">
+              <a:solidFill>
+                <a:schemeClr val="tx1"/>
+              </a:solidFill>
+              <a:latin typeface="HG丸ｺﾞｼｯｸM-PRO" panose="020F0600000000000000" pitchFamily="50" charset="-128"/>
+              <a:ea typeface="HG丸ｺﾞｼｯｸM-PRO" panose="020F0600000000000000" pitchFamily="50" charset="-128"/>
+            </a:endParaRPr>
+          </a:p>
+          <a:p>
+            <a:r>
+              <a:rPr kumimoji="1" lang="ja-JP" altLang="en-US" sz="1600" dirty="0">
+                <a:solidFill>
+                  <a:schemeClr val="tx1"/>
+                </a:solidFill>
+                <a:latin typeface="HG丸ｺﾞｼｯｸM-PRO" panose="020F0600000000000000" pitchFamily="50" charset="-128"/>
+                <a:ea typeface="HG丸ｺﾞｼｯｸM-PRO" panose="020F0600000000000000" pitchFamily="50" charset="-128"/>
+              </a:rPr>
+              <a:t>お問い合わせ先から</a:t>
+            </a:r>
+            <a:endParaRPr kumimoji="1" lang="en-US" altLang="ja-JP" sz="1600" dirty="0">
+              <a:solidFill>
+                <a:schemeClr val="tx1"/>
+              </a:solidFill>
+              <a:latin typeface="HG丸ｺﾞｼｯｸM-PRO" panose="020F0600000000000000" pitchFamily="50" charset="-128"/>
+              <a:ea typeface="HG丸ｺﾞｼｯｸM-PRO" panose="020F0600000000000000" pitchFamily="50" charset="-128"/>
+            </a:endParaRPr>
+          </a:p>
+          <a:p>
+            <a:r>
+              <a:rPr lang="ja-JP" altLang="en-US" sz="1600" dirty="0">
+                <a:solidFill>
+                  <a:schemeClr val="tx1"/>
+                </a:solidFill>
+                <a:latin typeface="HG丸ｺﾞｼｯｸM-PRO" panose="020F0600000000000000" pitchFamily="50" charset="-128"/>
+                <a:ea typeface="HG丸ｺﾞｼｯｸM-PRO" panose="020F0600000000000000" pitchFamily="50" charset="-128"/>
+              </a:rPr>
+              <a:t>見学・体験のご希望日を連絡ください。</a:t>
+            </a:r>
+            <a:endParaRPr kumimoji="1" lang="ja-JP" altLang="en-US" sz="1600" dirty="0">
+              <a:solidFill>
+                <a:schemeClr val="tx1"/>
+              </a:solidFill>
+              <a:latin typeface="HG丸ｺﾞｼｯｸM-PRO" panose="020F0600000000000000" pitchFamily="50" charset="-128"/>
+              <a:ea typeface="HG丸ｺﾞｼｯｸM-PRO" panose="020F0600000000000000" pitchFamily="50" charset="-128"/>
+            </a:endParaRPr>
+          </a:p>
+        </p:txBody>
+      </p:sp>
+      <p:sp>
+        <p:nvSpPr>
+          <p:cNvPr id="4" name="テキスト ボックス 3">
+            <a:extLst>
+              <a:ext uri="{FF2B5EF4-FFF2-40B4-BE49-F238E27FC236}">
+                <a16:creationId xmlns:a16="http://schemas.microsoft.com/office/drawing/2014/main" id="{8449F373-8A16-60C5-4927-46EF2919EA86}"/>
+              </a:ext>
+            </a:extLst>
+          </p:cNvPr>
+          <p:cNvSpPr txBox="1"/>
+          <p:nvPr/>
+        </p:nvSpPr>
+        <p:spPr>
+          <a:xfrm>
+            <a:off x="3421240" y="856414"/>
+            <a:ext cx="2128603" cy="369332"/>
+          </a:xfrm>
+          <a:prstGeom prst="rect">
+            <a:avLst/>
+          </a:prstGeom>
+          <a:solidFill>
+            <a:srgbClr val="AAC4FF"/>
+          </a:solidFill>
+        </p:spPr>
+        <p:txBody>
+          <a:bodyPr wrap="square" rtlCol="0">
+            <a:spAutoFit/>
+          </a:bodyPr>
+          <a:lstStyle/>
+          <a:p>
+            <a:pPr algn="ctr"/>
+            <a:r>
+              <a:rPr lang="ja-JP" altLang="en-US" b="1" dirty="0">
+                <a:solidFill>
+                  <a:schemeClr val="bg1"/>
+                </a:solidFill>
+              </a:rPr>
+              <a:t>ステップ </a:t>
+            </a:r>
+            <a:r>
+              <a:rPr lang="en-US" altLang="ja-JP" b="1" dirty="0">
+                <a:solidFill>
+                  <a:schemeClr val="bg1"/>
+                </a:solidFill>
+              </a:rPr>
+              <a:t>2</a:t>
+            </a:r>
+            <a:endParaRPr kumimoji="1" lang="ja-JP" altLang="en-US" b="1" dirty="0">
+              <a:solidFill>
+                <a:schemeClr val="bg1"/>
+              </a:solidFill>
+            </a:endParaRPr>
+          </a:p>
+        </p:txBody>
+      </p:sp>
+      <p:sp>
+        <p:nvSpPr>
+          <p:cNvPr id="5" name="正方形/長方形 4">
+            <a:extLst>
+              <a:ext uri="{FF2B5EF4-FFF2-40B4-BE49-F238E27FC236}">
+                <a16:creationId xmlns:a16="http://schemas.microsoft.com/office/drawing/2014/main" id="{DC5EF7A7-59E5-4DA6-D29D-0C8EF4038C60}"/>
+              </a:ext>
+            </a:extLst>
+          </p:cNvPr>
+          <p:cNvSpPr/>
+          <p:nvPr/>
+        </p:nvSpPr>
+        <p:spPr>
+          <a:xfrm>
+            <a:off x="3421240" y="1225746"/>
+            <a:ext cx="2128602" cy="1558977"/>
+          </a:xfrm>
+          <a:prstGeom prst="rect">
+            <a:avLst/>
+          </a:prstGeom>
+          <a:solidFill>
+            <a:srgbClr val="D6E5FA"/>
+          </a:solidFill>
+          <a:ln>
+            <a:noFill/>
+          </a:ln>
+        </p:spPr>
+        <p:style>
+          <a:lnRef idx="2">
+            <a:schemeClr val="accent1">
+              <a:shade val="50000"/>
+            </a:schemeClr>
+          </a:lnRef>
+          <a:fillRef idx="1">
+            <a:schemeClr val="accent1"/>
+          </a:fillRef>
+          <a:effectRef idx="0">
+            <a:schemeClr val="accent1"/>
+          </a:effectRef>
+          <a:fontRef idx="minor">
+            <a:schemeClr val="lt1"/>
+          </a:fontRef>
+        </p:style>
+        <p:txBody>
+          <a:bodyPr rtlCol="0" anchor="t" anchorCtr="0"/>
+          <a:lstStyle/>
+          <a:p>
+            <a:r>
+              <a:rPr kumimoji="1" lang="ja-JP" altLang="en-US" b="1" dirty="0">
+                <a:solidFill>
+                  <a:schemeClr val="tx1"/>
+                </a:solidFill>
+                <a:latin typeface="HG丸ｺﾞｼｯｸM-PRO" panose="020F0600000000000000" pitchFamily="50" charset="-128"/>
+                <a:ea typeface="HG丸ｺﾞｼｯｸM-PRO" panose="020F0600000000000000" pitchFamily="50" charset="-128"/>
+              </a:rPr>
+              <a:t>見学</a:t>
+            </a:r>
+            <a:r>
+              <a:rPr lang="ja-JP" altLang="en-US" b="1" dirty="0">
+                <a:solidFill>
+                  <a:schemeClr val="tx1"/>
+                </a:solidFill>
+                <a:latin typeface="HG丸ｺﾞｼｯｸM-PRO" panose="020F0600000000000000" pitchFamily="50" charset="-128"/>
+                <a:ea typeface="HG丸ｺﾞｼｯｸM-PRO" panose="020F0600000000000000" pitchFamily="50" charset="-128"/>
+              </a:rPr>
+              <a:t>・体験</a:t>
+            </a:r>
+            <a:endParaRPr lang="en-US" altLang="ja-JP" b="1" dirty="0">
+              <a:solidFill>
+                <a:schemeClr val="tx1"/>
+              </a:solidFill>
+              <a:latin typeface="HG丸ｺﾞｼｯｸM-PRO" panose="020F0600000000000000" pitchFamily="50" charset="-128"/>
+              <a:ea typeface="HG丸ｺﾞｼｯｸM-PRO" panose="020F0600000000000000" pitchFamily="50" charset="-128"/>
+            </a:endParaRPr>
+          </a:p>
+          <a:p>
+            <a:r>
+              <a:rPr kumimoji="1" lang="ja-JP" altLang="en-US" sz="1600" dirty="0">
+                <a:solidFill>
+                  <a:schemeClr val="tx1"/>
+                </a:solidFill>
+                <a:latin typeface="HG丸ｺﾞｼｯｸM-PRO" panose="020F0600000000000000" pitchFamily="50" charset="-128"/>
+                <a:ea typeface="HG丸ｺﾞｼｯｸM-PRO" panose="020F0600000000000000" pitchFamily="50" charset="-128"/>
+              </a:rPr>
+              <a:t>ぜひ剣道を体験してみてください。</a:t>
+            </a:r>
+            <a:endParaRPr kumimoji="1" lang="en-US" altLang="ja-JP" sz="1600" dirty="0">
+              <a:solidFill>
+                <a:schemeClr val="tx1"/>
+              </a:solidFill>
+              <a:latin typeface="HG丸ｺﾞｼｯｸM-PRO" panose="020F0600000000000000" pitchFamily="50" charset="-128"/>
+              <a:ea typeface="HG丸ｺﾞｼｯｸM-PRO" panose="020F0600000000000000" pitchFamily="50" charset="-128"/>
+            </a:endParaRPr>
+          </a:p>
+          <a:p>
+            <a:r>
+              <a:rPr kumimoji="1" lang="ja-JP" altLang="en-US" sz="1600" dirty="0">
+                <a:solidFill>
+                  <a:schemeClr val="tx1"/>
+                </a:solidFill>
+                <a:latin typeface="HG丸ｺﾞｼｯｸM-PRO" panose="020F0600000000000000" pitchFamily="50" charset="-128"/>
+                <a:ea typeface="HG丸ｺﾞｼｯｸM-PRO" panose="020F0600000000000000" pitchFamily="50" charset="-128"/>
+              </a:rPr>
+              <a:t>一緒に素振りをしてみましょう！</a:t>
+            </a:r>
+          </a:p>
+        </p:txBody>
+      </p:sp>
+      <p:sp>
+        <p:nvSpPr>
+          <p:cNvPr id="6" name="テキスト ボックス 5">
+            <a:extLst>
+              <a:ext uri="{FF2B5EF4-FFF2-40B4-BE49-F238E27FC236}">
+                <a16:creationId xmlns:a16="http://schemas.microsoft.com/office/drawing/2014/main" id="{370A4C7A-F01B-CAEF-0E86-9134BF9596BB}"/>
+              </a:ext>
+            </a:extLst>
+          </p:cNvPr>
+          <p:cNvSpPr txBox="1"/>
+          <p:nvPr/>
+        </p:nvSpPr>
+        <p:spPr>
+          <a:xfrm>
+            <a:off x="5654773" y="856414"/>
+            <a:ext cx="2128603" cy="369332"/>
+          </a:xfrm>
+          <a:prstGeom prst="rect">
+            <a:avLst/>
+          </a:prstGeom>
+          <a:solidFill>
+            <a:srgbClr val="AAC4FF"/>
+          </a:solidFill>
+        </p:spPr>
+        <p:txBody>
+          <a:bodyPr wrap="square" rtlCol="0">
+            <a:spAutoFit/>
+          </a:bodyPr>
+          <a:lstStyle/>
+          <a:p>
+            <a:pPr algn="ctr"/>
+            <a:r>
+              <a:rPr lang="ja-JP" altLang="en-US" b="1" dirty="0">
+                <a:solidFill>
+                  <a:schemeClr val="bg1"/>
+                </a:solidFill>
+              </a:rPr>
+              <a:t>ステップ </a:t>
+            </a:r>
+            <a:r>
+              <a:rPr lang="en-US" altLang="ja-JP" b="1" dirty="0">
+                <a:solidFill>
+                  <a:schemeClr val="bg1"/>
+                </a:solidFill>
+              </a:rPr>
+              <a:t>3</a:t>
+            </a:r>
+            <a:endParaRPr kumimoji="1" lang="ja-JP" altLang="en-US" b="1" dirty="0">
+              <a:solidFill>
+                <a:schemeClr val="bg1"/>
+              </a:solidFill>
+            </a:endParaRPr>
+          </a:p>
+        </p:txBody>
+      </p:sp>
+      <p:sp>
+        <p:nvSpPr>
+          <p:cNvPr id="7" name="正方形/長方形 6">
+            <a:extLst>
+              <a:ext uri="{FF2B5EF4-FFF2-40B4-BE49-F238E27FC236}">
+                <a16:creationId xmlns:a16="http://schemas.microsoft.com/office/drawing/2014/main" id="{5A4E0CF0-D0CA-C730-D7ED-5F2BFBB59FAB}"/>
+              </a:ext>
+            </a:extLst>
+          </p:cNvPr>
+          <p:cNvSpPr/>
+          <p:nvPr/>
+        </p:nvSpPr>
+        <p:spPr>
+          <a:xfrm>
+            <a:off x="5654773" y="1225746"/>
+            <a:ext cx="2128602" cy="1558977"/>
+          </a:xfrm>
+          <a:prstGeom prst="rect">
+            <a:avLst/>
+          </a:prstGeom>
+          <a:solidFill>
+            <a:srgbClr val="D6E5FA"/>
+          </a:solidFill>
+          <a:ln>
+            <a:noFill/>
+          </a:ln>
+        </p:spPr>
+        <p:style>
+          <a:lnRef idx="2">
+            <a:schemeClr val="accent1">
+              <a:shade val="50000"/>
+            </a:schemeClr>
+          </a:lnRef>
+          <a:fillRef idx="1">
+            <a:schemeClr val="accent1"/>
+          </a:fillRef>
+          <a:effectRef idx="0">
+            <a:schemeClr val="accent1"/>
+          </a:effectRef>
+          <a:fontRef idx="minor">
+            <a:schemeClr val="lt1"/>
+          </a:fontRef>
+        </p:style>
+        <p:txBody>
+          <a:bodyPr rtlCol="0" anchor="t" anchorCtr="0"/>
+          <a:lstStyle/>
+          <a:p>
+            <a:r>
+              <a:rPr kumimoji="1" lang="ja-JP" altLang="en-US" b="1" dirty="0">
+                <a:solidFill>
+                  <a:schemeClr val="tx1"/>
+                </a:solidFill>
+                <a:latin typeface="HG丸ｺﾞｼｯｸM-PRO" panose="020F0600000000000000" pitchFamily="50" charset="-128"/>
+                <a:ea typeface="HG丸ｺﾞｼｯｸM-PRO" panose="020F0600000000000000" pitchFamily="50" charset="-128"/>
+              </a:rPr>
+              <a:t>入団</a:t>
+            </a:r>
+            <a:endParaRPr kumimoji="1" lang="en-US" altLang="ja-JP" b="1" dirty="0">
+              <a:solidFill>
+                <a:schemeClr val="tx1"/>
+              </a:solidFill>
+              <a:latin typeface="HG丸ｺﾞｼｯｸM-PRO" panose="020F0600000000000000" pitchFamily="50" charset="-128"/>
+              <a:ea typeface="HG丸ｺﾞｼｯｸM-PRO" panose="020F0600000000000000" pitchFamily="50" charset="-128"/>
+            </a:endParaRPr>
+          </a:p>
+          <a:p>
+            <a:r>
+              <a:rPr lang="ja-JP" altLang="en-US" sz="1600" dirty="0">
+                <a:solidFill>
+                  <a:schemeClr val="tx1"/>
+                </a:solidFill>
+                <a:latin typeface="HG丸ｺﾞｼｯｸM-PRO" panose="020F0600000000000000" pitchFamily="50" charset="-128"/>
+                <a:ea typeface="HG丸ｺﾞｼｯｸM-PRO" panose="020F0600000000000000" pitchFamily="50" charset="-128"/>
+              </a:rPr>
+              <a:t>お子さんが剣道を気に入ってくれたら、ぜひ入団してください</a:t>
+            </a:r>
+            <a:r>
+              <a:rPr lang="ja-JP" altLang="en-US" dirty="0">
+                <a:solidFill>
+                  <a:schemeClr val="tx1"/>
+                </a:solidFill>
+                <a:latin typeface="HG丸ｺﾞｼｯｸM-PRO" panose="020F0600000000000000" pitchFamily="50" charset="-128"/>
+                <a:ea typeface="HG丸ｺﾞｼｯｸM-PRO" panose="020F0600000000000000" pitchFamily="50" charset="-128"/>
+              </a:rPr>
+              <a:t>。</a:t>
+            </a:r>
+            <a:endParaRPr kumimoji="1" lang="ja-JP" altLang="en-US" dirty="0">
+              <a:solidFill>
+                <a:schemeClr val="tx1"/>
+              </a:solidFill>
+              <a:latin typeface="HG丸ｺﾞｼｯｸM-PRO" panose="020F0600000000000000" pitchFamily="50" charset="-128"/>
+              <a:ea typeface="HG丸ｺﾞｼｯｸM-PRO" panose="020F0600000000000000" pitchFamily="50" charset="-128"/>
+            </a:endParaRPr>
+          </a:p>
+        </p:txBody>
+      </p:sp>
+      <p:pic>
+        <p:nvPicPr>
+          <p:cNvPr id="9" name="図 8">
+            <a:extLst>
+              <a:ext uri="{FF2B5EF4-FFF2-40B4-BE49-F238E27FC236}">
+                <a16:creationId xmlns:a16="http://schemas.microsoft.com/office/drawing/2014/main" id="{8D653E9B-44AF-3FEA-0A3A-5EE19E7DA083}"/>
+              </a:ext>
+            </a:extLst>
+          </p:cNvPr>
+          <p:cNvPicPr>
+            <a:picLocks noChangeAspect="1"/>
+          </p:cNvPicPr>
+          <p:nvPr/>
+        </p:nvPicPr>
+        <p:blipFill>
+          <a:blip r:embed="rId2"/>
+          <a:stretch>
+            <a:fillRect/>
+          </a:stretch>
+        </p:blipFill>
+        <p:spPr>
+          <a:xfrm>
+            <a:off x="5654381" y="4343699"/>
+            <a:ext cx="2128994" cy="1034879"/>
+          </a:xfrm>
+          <a:prstGeom prst="rect">
+            <a:avLst/>
+          </a:prstGeom>
+        </p:spPr>
+      </p:pic>
+      <p:pic>
+        <p:nvPicPr>
+          <p:cNvPr id="17" name="図 16">
+            <a:extLst>
+              <a:ext uri="{FF2B5EF4-FFF2-40B4-BE49-F238E27FC236}">
+                <a16:creationId xmlns:a16="http://schemas.microsoft.com/office/drawing/2014/main" id="{C4DB7DA1-EFED-96F4-273B-8A7775AA38B2}"/>
+              </a:ext>
+            </a:extLst>
+          </p:cNvPr>
+          <p:cNvPicPr>
+            <a:picLocks noChangeAspect="1"/>
+          </p:cNvPicPr>
+          <p:nvPr/>
+        </p:nvPicPr>
+        <p:blipFill>
+          <a:blip r:embed="rId3"/>
+          <a:stretch>
+            <a:fillRect/>
+          </a:stretch>
+        </p:blipFill>
+        <p:spPr>
+          <a:xfrm>
+            <a:off x="3568197" y="2442709"/>
+            <a:ext cx="1981645" cy="1255460"/>
+          </a:xfrm>
+          <a:prstGeom prst="rect">
+            <a:avLst/>
+          </a:prstGeom>
+        </p:spPr>
+      </p:pic>
+      <p:sp>
+        <p:nvSpPr>
+          <p:cNvPr id="18" name="正方形/長方形 17">
+            <a:extLst>
+              <a:ext uri="{FF2B5EF4-FFF2-40B4-BE49-F238E27FC236}">
+                <a16:creationId xmlns:a16="http://schemas.microsoft.com/office/drawing/2014/main" id="{23559DEA-7CD3-CCC5-B1B6-E0312717297A}"/>
+              </a:ext>
+            </a:extLst>
+          </p:cNvPr>
+          <p:cNvSpPr/>
+          <p:nvPr/>
+        </p:nvSpPr>
+        <p:spPr>
+          <a:xfrm>
+            <a:off x="923636" y="618835"/>
+            <a:ext cx="7121237" cy="5043055"/>
+          </a:xfrm>
+          <a:prstGeom prst="rect">
+            <a:avLst/>
+          </a:prstGeom>
+          <a:noFill/>
+          <a:ln>
+            <a:noFill/>
+          </a:ln>
+        </p:spPr>
+        <p:style>
+          <a:lnRef idx="2">
+            <a:schemeClr val="accent1">
+              <a:shade val="50000"/>
+            </a:schemeClr>
+          </a:lnRef>
+          <a:fillRef idx="1">
+            <a:schemeClr val="accent1"/>
+          </a:fillRef>
+          <a:effectRef idx="0">
+            <a:schemeClr val="accent1"/>
+          </a:effectRef>
+          <a:fontRef idx="minor">
+            <a:schemeClr val="lt1"/>
+          </a:fontRef>
+        </p:style>
+        <p:txBody>
+          <a:bodyPr rtlCol="0" anchor="ctr"/>
+          <a:lstStyle/>
+          <a:p>
+            <a:pPr algn="ctr"/>
+            <a:endParaRPr kumimoji="1" lang="ja-JP" altLang="en-US"/>
+          </a:p>
+        </p:txBody>
+      </p:sp>
+    </p:spTree>
+    <p:extLst>
+      <p:ext uri="{BB962C8B-B14F-4D97-AF65-F5344CB8AC3E}">
+        <p14:creationId xmlns:p14="http://schemas.microsoft.com/office/powerpoint/2010/main" val="819405088"/>
+      </p:ext>
+    </p:extLst>
+  </p:cSld>
+  <p:clrMapOvr>
+    <a:masterClrMapping/>
+  </p:clrMapOvr>
+</p:sld>
+</file>
+
+<file path=ppt/slides/slide6.xml><?xml version="1.0" encoding="utf-8"?>
+<p:sld xmlns:a="http://schemas.openxmlformats.org/drawingml/2006/main" xmlns:r="http://schemas.openxmlformats.org/officeDocument/2006/relationships" xmlns:p="http://schemas.openxmlformats.org/presentationml/2006/main">
+  <p:cSld>
+    <p:spTree>
+      <p:nvGrpSpPr>
+        <p:cNvPr id="1" name=""/>
+        <p:cNvGrpSpPr/>
+        <p:nvPr/>
+      </p:nvGrpSpPr>
+      <p:grpSpPr>
+        <a:xfrm>
+          <a:off x="0" y="0"/>
+          <a:ext cx="0" cy="0"/>
+          <a:chOff x="0" y="0"/>
+          <a:chExt cx="0" cy="0"/>
+        </a:xfrm>
+      </p:grpSpPr>
       <p:pic>
         <p:nvPicPr>
           <p:cNvPr id="3" name="図 2">
@@ -5325,7 +6030,7 @@
 </p:sld>
 </file>
 
-<file path=ppt/slides/slide6.xml><?xml version="1.0" encoding="utf-8"?>
+<file path=ppt/slides/slide7.xml><?xml version="1.0" encoding="utf-8"?>
 <p:sld xmlns:a="http://schemas.openxmlformats.org/drawingml/2006/main" xmlns:r="http://schemas.openxmlformats.org/officeDocument/2006/relationships" xmlns:p="http://schemas.openxmlformats.org/presentationml/2006/main">
   <p:cSld>
     <p:spTree>
@@ -9633,7 +10338,7 @@
 </p:sld>
 </file>
 
-<file path=ppt/slides/slide7.xml><?xml version="1.0" encoding="utf-8"?>
+<file path=ppt/slides/slide8.xml><?xml version="1.0" encoding="utf-8"?>
 <p:sld xmlns:a="http://schemas.openxmlformats.org/drawingml/2006/main" xmlns:r="http://schemas.openxmlformats.org/officeDocument/2006/relationships" xmlns:p="http://schemas.openxmlformats.org/presentationml/2006/main">
   <p:cSld>
     <p:spTree>
@@ -9813,7 +10518,7 @@
 </p:sld>
 </file>
 
-<file path=ppt/slides/slide8.xml><?xml version="1.0" encoding="utf-8"?>
+<file path=ppt/slides/slide9.xml><?xml version="1.0" encoding="utf-8"?>
 <p:sld xmlns:a="http://schemas.openxmlformats.org/drawingml/2006/main" xmlns:r="http://schemas.openxmlformats.org/officeDocument/2006/relationships" xmlns:p="http://schemas.openxmlformats.org/presentationml/2006/main">
   <p:cSld>
     <p:spTree>
@@ -10607,96 +11312,6 @@
     <p:extLst>
       <p:ext uri="{BB962C8B-B14F-4D97-AF65-F5344CB8AC3E}">
         <p14:creationId xmlns:p14="http://schemas.microsoft.com/office/powerpoint/2010/main" val="3188793843"/>
-      </p:ext>
-    </p:extLst>
-  </p:cSld>
-  <p:clrMapOvr>
-    <a:masterClrMapping/>
-  </p:clrMapOvr>
-</p:sld>
-</file>
-
-<file path=ppt/slides/slide9.xml><?xml version="1.0" encoding="utf-8"?>
-<p:sld xmlns:a="http://schemas.openxmlformats.org/drawingml/2006/main" xmlns:r="http://schemas.openxmlformats.org/officeDocument/2006/relationships" xmlns:p="http://schemas.openxmlformats.org/presentationml/2006/main">
-  <p:cSld>
-    <p:spTree>
-      <p:nvGrpSpPr>
-        <p:cNvPr id="1" name=""/>
-        <p:cNvGrpSpPr/>
-        <p:nvPr/>
-      </p:nvGrpSpPr>
-      <p:grpSpPr>
-        <a:xfrm>
-          <a:off x="0" y="0"/>
-          <a:ext cx="0" cy="0"/>
-          <a:chOff x="0" y="0"/>
-          <a:chExt cx="0" cy="0"/>
-        </a:xfrm>
-      </p:grpSpPr>
-      <p:pic>
-        <p:nvPicPr>
-          <p:cNvPr id="3" name="図 2">
-            <a:extLst>
-              <a:ext uri="{FF2B5EF4-FFF2-40B4-BE49-F238E27FC236}">
-                <a16:creationId xmlns:a16="http://schemas.microsoft.com/office/drawing/2014/main" id="{D112656F-FCB2-31AB-D1A3-85F12674083F}"/>
-              </a:ext>
-            </a:extLst>
-          </p:cNvPr>
-          <p:cNvPicPr>
-            <a:picLocks noChangeAspect="1"/>
-          </p:cNvPicPr>
-          <p:nvPr/>
-        </p:nvPicPr>
-        <p:blipFill>
-          <a:blip r:embed="rId2"/>
-          <a:stretch>
-            <a:fillRect/>
-          </a:stretch>
-        </p:blipFill>
-        <p:spPr>
-          <a:xfrm>
-            <a:off x="4995709" y="2671657"/>
-            <a:ext cx="2200582" cy="1514686"/>
-          </a:xfrm>
-          <a:prstGeom prst="rect">
-            <a:avLst/>
-          </a:prstGeom>
-        </p:spPr>
-      </p:pic>
-      <p:pic>
-        <p:nvPicPr>
-          <p:cNvPr id="5" name="図 4">
-            <a:extLst>
-              <a:ext uri="{FF2B5EF4-FFF2-40B4-BE49-F238E27FC236}">
-                <a16:creationId xmlns:a16="http://schemas.microsoft.com/office/drawing/2014/main" id="{AAFEBB2F-AF95-8C1D-D33D-CEA08FC4EA90}"/>
-              </a:ext>
-            </a:extLst>
-          </p:cNvPr>
-          <p:cNvPicPr>
-            <a:picLocks noChangeAspect="1"/>
-          </p:cNvPicPr>
-          <p:nvPr/>
-        </p:nvPicPr>
-        <p:blipFill>
-          <a:blip r:embed="rId3"/>
-          <a:stretch>
-            <a:fillRect/>
-          </a:stretch>
-        </p:blipFill>
-        <p:spPr>
-          <a:xfrm rot="1386407">
-            <a:off x="7483273" y="2582936"/>
-            <a:ext cx="1123150" cy="1692128"/>
-          </a:xfrm>
-          <a:prstGeom prst="rect">
-            <a:avLst/>
-          </a:prstGeom>
-        </p:spPr>
-      </p:pic>
-    </p:spTree>
-    <p:extLst>
-      <p:ext uri="{BB962C8B-B14F-4D97-AF65-F5344CB8AC3E}">
-        <p14:creationId xmlns:p14="http://schemas.microsoft.com/office/powerpoint/2010/main" val="2395446369"/>
       </p:ext>
     </p:extLst>
   </p:cSld>

--- a/fig/画像.pptx
+++ b/fig/画像.pptx
@@ -268,7 +268,7 @@
           <a:p>
             <a:fld id="{5A5F6F7C-0A9D-4A0C-B7E1-5938049BB82A}" type="datetimeFigureOut">
               <a:rPr kumimoji="1" lang="ja-JP" altLang="en-US" smtClean="0"/>
-              <a:t>2024/3/5</a:t>
+              <a:t>2024/10/14</a:t>
             </a:fld>
             <a:endParaRPr kumimoji="1" lang="ja-JP" altLang="en-US"/>
           </a:p>
@@ -498,7 +498,7 @@
           <a:p>
             <a:fld id="{5A5F6F7C-0A9D-4A0C-B7E1-5938049BB82A}" type="datetimeFigureOut">
               <a:rPr kumimoji="1" lang="ja-JP" altLang="en-US" smtClean="0"/>
-              <a:t>2024/3/5</a:t>
+              <a:t>2024/10/14</a:t>
             </a:fld>
             <a:endParaRPr kumimoji="1" lang="ja-JP" altLang="en-US"/>
           </a:p>
@@ -738,7 +738,7 @@
           <a:p>
             <a:fld id="{5A5F6F7C-0A9D-4A0C-B7E1-5938049BB82A}" type="datetimeFigureOut">
               <a:rPr kumimoji="1" lang="ja-JP" altLang="en-US" smtClean="0"/>
-              <a:t>2024/3/5</a:t>
+              <a:t>2024/10/14</a:t>
             </a:fld>
             <a:endParaRPr kumimoji="1" lang="ja-JP" altLang="en-US"/>
           </a:p>
@@ -968,7 +968,7 @@
           <a:p>
             <a:fld id="{5A5F6F7C-0A9D-4A0C-B7E1-5938049BB82A}" type="datetimeFigureOut">
               <a:rPr kumimoji="1" lang="ja-JP" altLang="en-US" smtClean="0"/>
-              <a:t>2024/3/5</a:t>
+              <a:t>2024/10/14</a:t>
             </a:fld>
             <a:endParaRPr kumimoji="1" lang="ja-JP" altLang="en-US"/>
           </a:p>
@@ -1243,7 +1243,7 @@
           <a:p>
             <a:fld id="{5A5F6F7C-0A9D-4A0C-B7E1-5938049BB82A}" type="datetimeFigureOut">
               <a:rPr kumimoji="1" lang="ja-JP" altLang="en-US" smtClean="0"/>
-              <a:t>2024/3/5</a:t>
+              <a:t>2024/10/14</a:t>
             </a:fld>
             <a:endParaRPr kumimoji="1" lang="ja-JP" altLang="en-US"/>
           </a:p>
@@ -1572,7 +1572,7 @@
           <a:p>
             <a:fld id="{5A5F6F7C-0A9D-4A0C-B7E1-5938049BB82A}" type="datetimeFigureOut">
               <a:rPr kumimoji="1" lang="ja-JP" altLang="en-US" smtClean="0"/>
-              <a:t>2024/3/5</a:t>
+              <a:t>2024/10/14</a:t>
             </a:fld>
             <a:endParaRPr kumimoji="1" lang="ja-JP" altLang="en-US"/>
           </a:p>
@@ -2048,7 +2048,7 @@
           <a:p>
             <a:fld id="{5A5F6F7C-0A9D-4A0C-B7E1-5938049BB82A}" type="datetimeFigureOut">
               <a:rPr kumimoji="1" lang="ja-JP" altLang="en-US" smtClean="0"/>
-              <a:t>2024/3/5</a:t>
+              <a:t>2024/10/14</a:t>
             </a:fld>
             <a:endParaRPr kumimoji="1" lang="ja-JP" altLang="en-US"/>
           </a:p>
@@ -2189,7 +2189,7 @@
           <a:p>
             <a:fld id="{5A5F6F7C-0A9D-4A0C-B7E1-5938049BB82A}" type="datetimeFigureOut">
               <a:rPr kumimoji="1" lang="ja-JP" altLang="en-US" smtClean="0"/>
-              <a:t>2024/3/5</a:t>
+              <a:t>2024/10/14</a:t>
             </a:fld>
             <a:endParaRPr kumimoji="1" lang="ja-JP" altLang="en-US"/>
           </a:p>
@@ -2302,7 +2302,7 @@
           <a:p>
             <a:fld id="{5A5F6F7C-0A9D-4A0C-B7E1-5938049BB82A}" type="datetimeFigureOut">
               <a:rPr kumimoji="1" lang="ja-JP" altLang="en-US" smtClean="0"/>
-              <a:t>2024/3/5</a:t>
+              <a:t>2024/10/14</a:t>
             </a:fld>
             <a:endParaRPr kumimoji="1" lang="ja-JP" altLang="en-US"/>
           </a:p>
@@ -2645,7 +2645,7 @@
           <a:p>
             <a:fld id="{5A5F6F7C-0A9D-4A0C-B7E1-5938049BB82A}" type="datetimeFigureOut">
               <a:rPr kumimoji="1" lang="ja-JP" altLang="en-US" smtClean="0"/>
-              <a:t>2024/3/5</a:t>
+              <a:t>2024/10/14</a:t>
             </a:fld>
             <a:endParaRPr kumimoji="1" lang="ja-JP" altLang="en-US"/>
           </a:p>
@@ -2933,7 +2933,7 @@
           <a:p>
             <a:fld id="{5A5F6F7C-0A9D-4A0C-B7E1-5938049BB82A}" type="datetimeFigureOut">
               <a:rPr kumimoji="1" lang="ja-JP" altLang="en-US" smtClean="0"/>
-              <a:t>2024/3/5</a:t>
+              <a:t>2024/10/14</a:t>
             </a:fld>
             <a:endParaRPr kumimoji="1" lang="ja-JP" altLang="en-US"/>
           </a:p>
@@ -3206,7 +3206,7 @@
           <a:p>
             <a:fld id="{5A5F6F7C-0A9D-4A0C-B7E1-5938049BB82A}" type="datetimeFigureOut">
               <a:rPr kumimoji="1" lang="ja-JP" altLang="en-US" smtClean="0"/>
-              <a:t>2024/3/5</a:t>
+              <a:t>2024/10/14</a:t>
             </a:fld>
             <a:endParaRPr kumimoji="1" lang="ja-JP" altLang="en-US"/>
           </a:p>
@@ -10026,7 +10026,7 @@
                 <a:latin typeface="游ゴシック"/>
                 <a:ea typeface="游ゴシック"/>
               </a:rPr>
-              <a:t>青年部</a:t>
+              <a:t>成年部</a:t>
             </a:r>
           </a:p>
         </p:txBody>
